--- a/MasterChief_backup.pptx
+++ b/MasterChief_backup.pptx
@@ -6087,6 +6087,52 @@
           </a:p>
         </p:txBody>
       </p:sp>
+      <p:sp>
+        <p:nvSpPr>
+          <p:cNvPr id="9" name="Rounded Rectangle 8">
+            <a:hlinkClick r:id="rId7" action="ppaction://hlinkfile"/>
+          </p:cNvPr>
+          <p:cNvSpPr/>
+          <p:nvPr/>
+        </p:nvSpPr>
+        <p:spPr>
+          <a:xfrm>
+            <a:off x="646112" y="4548907"/>
+            <a:ext cx="8709328" cy="700215"/>
+          </a:xfrm>
+          <a:prstGeom prst="roundRect">
+            <a:avLst/>
+          </a:prstGeom>
+        </p:spPr>
+        <p:style>
+          <a:lnRef idx="2">
+            <a:schemeClr val="accent1">
+              <a:shade val="50000"/>
+            </a:schemeClr>
+          </a:lnRef>
+          <a:fillRef idx="1">
+            <a:schemeClr val="accent1"/>
+          </a:fillRef>
+          <a:effectRef idx="0">
+            <a:schemeClr val="accent1"/>
+          </a:effectRef>
+          <a:fontRef idx="minor">
+            <a:schemeClr val="lt1"/>
+          </a:fontRef>
+        </p:style>
+        <p:txBody>
+          <a:bodyPr rtlCol="0" anchor="ctr"/>
+          <a:lstStyle/>
+          <a:p>
+            <a:pPr algn="ctr"/>
+            <a:r>
+              <a:rPr lang="sv-SE" dirty="0" smtClean="0"/>
+              <a:t>Beräkna maximal accelerationsriktning</a:t>
+            </a:r>
+            <a:endParaRPr lang="sv-SE" dirty="0"/>
+          </a:p>
+        </p:txBody>
+      </p:sp>
     </p:spTree>
     <p:extLst>
       <p:ext uri="{BB962C8B-B14F-4D97-AF65-F5344CB8AC3E}">
